--- a/output/E-BOOK_Cowboys_Dados.pptx
+++ b/output/E-BOOK_Cowboys_Dados.pptx
@@ -6340,6 +6340,7 @@
       <p:sp>
         <p:nvSpPr>
           <p:cNvPr id="22" name="conteúdo">
+            <a:hlinkClick r:id="rId7"/>
             <a:extLst>
               <a:ext uri="{FF2B5EF4-FFF2-40B4-BE49-F238E27FC236}">
                 <a16:creationId xmlns:a16="http://schemas.microsoft.com/office/drawing/2014/main" id="{5293F346-320E-97F3-CA02-3D7CA61137DB}"/>
@@ -6386,6 +6387,7 @@
       <p:sp>
         <p:nvSpPr>
           <p:cNvPr id="23" name="conteúdo">
+            <a:hlinkClick r:id="rId8"/>
             <a:extLst>
               <a:ext uri="{FF2B5EF4-FFF2-40B4-BE49-F238E27FC236}">
                 <a16:creationId xmlns:a16="http://schemas.microsoft.com/office/drawing/2014/main" id="{38C5A5C0-301C-1207-4DA5-B48BB362049C}"/>

--- a/output/E-BOOK_Cowboys_Dados.pptx
+++ b/output/E-BOOK_Cowboys_Dados.pptx
@@ -6353,7 +6353,7 @@
         <p:spPr>
           <a:xfrm>
             <a:off x="0" y="10390502"/>
-            <a:ext cx="9601200" cy="461665"/>
+            <a:ext cx="9601200" cy="369332"/>
           </a:xfrm>
           <a:prstGeom prst="rect">
             <a:avLst/>
@@ -6368,7 +6368,7 @@
           <a:p>
             <a:pPr algn="ctr"/>
             <a:r>
-              <a:rPr lang="pt-BR" sz="2400" u="sng" dirty="0">
+              <a:rPr lang="pt-BR" u="sng" dirty="0">
                 <a:solidFill>
                   <a:schemeClr val="tx2">
                     <a:lumMod val="75000"/>
@@ -6379,7 +6379,7 @@
                 <a:ea typeface="Calibri" panose="020F0502020204030204" pitchFamily="34" charset="0"/>
                 <a:cs typeface="Calibri" panose="020F0502020204030204" pitchFamily="34" charset="0"/>
               </a:rPr>
-              <a:t>Perfil da DIO</a:t>
+              <a:t>https://www.dio.me/users/lucasantonioribeiro0</a:t>
             </a:r>
           </a:p>
         </p:txBody>
@@ -6400,7 +6400,7 @@
         <p:spPr>
           <a:xfrm>
             <a:off x="-2" y="7720105"/>
-            <a:ext cx="9601200" cy="461665"/>
+            <a:ext cx="9601200" cy="369332"/>
           </a:xfrm>
           <a:prstGeom prst="rect">
             <a:avLst/>
@@ -6415,7 +6415,7 @@
           <a:p>
             <a:pPr algn="ctr"/>
             <a:r>
-              <a:rPr lang="pt-BR" sz="2400" u="sng" dirty="0">
+              <a:rPr lang="pt-BR" u="sng" dirty="0">
                 <a:solidFill>
                   <a:schemeClr val="tx2">
                     <a:lumMod val="75000"/>
@@ -6426,7 +6426,7 @@
                 <a:ea typeface="Calibri" panose="020F0502020204030204" pitchFamily="34" charset="0"/>
                 <a:cs typeface="Calibri" panose="020F0502020204030204" pitchFamily="34" charset="0"/>
               </a:rPr>
-              <a:t>Repositório GitHub</a:t>
+              <a:t>https://github.com/Lucas-Ribeir0/creating-a-ebook-with-ia-dio-me/</a:t>
             </a:r>
           </a:p>
         </p:txBody>
